--- a/BRM/00_PERFORMANCE ANALYSIS/brm.pptx
+++ b/BRM/00_PERFORMANCE ANALYSIS/brm.pptx
@@ -9,9 +9,12 @@
     <p:sldId id="256" r:id="rId3"/>
     <p:sldId id="258" r:id="rId4"/>
     <p:sldId id="259" r:id="rId5"/>
-    <p:sldId id="260" r:id="rId6"/>
-    <p:sldId id="261" r:id="rId7"/>
-    <p:sldId id="262" r:id="rId8"/>
+    <p:sldId id="263" r:id="rId6"/>
+    <p:sldId id="260" r:id="rId7"/>
+    <p:sldId id="264" r:id="rId8"/>
+    <p:sldId id="261" r:id="rId9"/>
+    <p:sldId id="265" r:id="rId10"/>
+    <p:sldId id="262" r:id="rId11"/>
   </p:sldIdLst>
   <p:sldSz cx="12192000" cy="6858000"/>
   <p:notesSz cx="6858000" cy="9144000"/>
@@ -3553,6 +3556,278 @@
 </p:sld>
 </file>
 
+<file path=ppt/slides/slide10.xml><?xml version="1.0" encoding="utf-8"?>
+<p:sld xmlns:a="http://schemas.openxmlformats.org/drawingml/2006/main" xmlns:r="http://schemas.openxmlformats.org/officeDocument/2006/relationships" xmlns:p="http://schemas.openxmlformats.org/presentationml/2006/main">
+  <p:cSld>
+    <p:bg>
+      <p:bgPr>
+        <a:blipFill dpi="0" rotWithShape="1">
+          <a:blip r:embed="rId2">
+            <a:lum/>
+          </a:blip>
+          <a:srcRect/>
+          <a:stretch>
+            <a:fillRect/>
+          </a:stretch>
+        </a:blipFill>
+        <a:effectLst/>
+      </p:bgPr>
+    </p:bg>
+    <p:spTree>
+      <p:nvGrpSpPr>
+        <p:cNvPr id="1" name=""/>
+        <p:cNvGrpSpPr/>
+        <p:nvPr/>
+      </p:nvGrpSpPr>
+      <p:grpSpPr>
+        <a:xfrm>
+          <a:off x="0" y="0"/>
+          <a:ext cx="0" cy="0"/>
+          <a:chOff x="0" y="0"/>
+          <a:chExt cx="0" cy="0"/>
+        </a:xfrm>
+      </p:grpSpPr>
+      <p:sp>
+        <p:nvSpPr>
+          <p:cNvPr id="2" name="TextBox 1">
+            <a:extLst>
+              <a:ext uri="{FF2B5EF4-FFF2-40B4-BE49-F238E27FC236}">
+                <a16:creationId xmlns:a16="http://schemas.microsoft.com/office/drawing/2014/main" id="{A33A5D2C-8F58-463D-9FBE-8222EBF2A06D}"/>
+              </a:ext>
+            </a:extLst>
+          </p:cNvPr>
+          <p:cNvSpPr txBox="1"/>
+          <p:nvPr/>
+        </p:nvSpPr>
+        <p:spPr>
+          <a:xfrm>
+            <a:off x="1969477" y="211016"/>
+            <a:ext cx="10034954" cy="646331"/>
+          </a:xfrm>
+          <a:prstGeom prst="rect">
+            <a:avLst/>
+          </a:prstGeom>
+          <a:noFill/>
+        </p:spPr>
+        <p:txBody>
+          <a:bodyPr wrap="square" rtlCol="0">
+            <a:spAutoFit/>
+          </a:bodyPr>
+          <a:lstStyle/>
+          <a:p>
+            <a:pPr algn="r"/>
+            <a:r>
+              <a:rPr lang="es-ES" sz="3600" b="1" dirty="0">
+                <a:solidFill>
+                  <a:schemeClr val="bg1"/>
+                </a:solidFill>
+                <a:latin typeface="Segoe UI" panose="020B0502040204020203" pitchFamily="34" charset="0"/>
+                <a:cs typeface="Segoe UI" panose="020B0502040204020203" pitchFamily="34" charset="0"/>
+              </a:rPr>
+              <a:t>TEST RESULTS REPORT</a:t>
+            </a:r>
+            <a:endParaRPr lang="en-US" sz="3600" b="1" dirty="0">
+              <a:solidFill>
+                <a:schemeClr val="bg1"/>
+              </a:solidFill>
+              <a:latin typeface="Segoe UI" panose="020B0502040204020203" pitchFamily="34" charset="0"/>
+              <a:cs typeface="Segoe UI" panose="020B0502040204020203" pitchFamily="34" charset="0"/>
+            </a:endParaRPr>
+          </a:p>
+        </p:txBody>
+      </p:sp>
+      <p:sp>
+        <p:nvSpPr>
+          <p:cNvPr id="5" name="TextBox 4">
+            <a:extLst>
+              <a:ext uri="{FF2B5EF4-FFF2-40B4-BE49-F238E27FC236}">
+                <a16:creationId xmlns:a16="http://schemas.microsoft.com/office/drawing/2014/main" id="{FD4EFB80-4D73-4604-82FD-B35B20AD76D9}"/>
+              </a:ext>
+            </a:extLst>
+          </p:cNvPr>
+          <p:cNvSpPr txBox="1"/>
+          <p:nvPr/>
+        </p:nvSpPr>
+        <p:spPr>
+          <a:xfrm>
+            <a:off x="211015" y="1172307"/>
+            <a:ext cx="11793416" cy="369332"/>
+          </a:xfrm>
+          <a:prstGeom prst="rect">
+            <a:avLst/>
+          </a:prstGeom>
+          <a:noFill/>
+        </p:spPr>
+        <p:txBody>
+          <a:bodyPr wrap="square" rtlCol="0">
+            <a:spAutoFit/>
+          </a:bodyPr>
+          <a:lstStyle/>
+          <a:p>
+            <a:r>
+              <a:rPr lang="es-ES" b="1" dirty="0">
+                <a:latin typeface="Segoe UI" panose="020B0502040204020203" pitchFamily="34" charset="0"/>
+                <a:cs typeface="Segoe UI" panose="020B0502040204020203" pitchFamily="34" charset="0"/>
+              </a:rPr>
+              <a:t>CUSTOMER SERVICE AND PERFORMANCE ANALYSIS</a:t>
+            </a:r>
+            <a:endParaRPr lang="en-US" b="1" dirty="0">
+              <a:latin typeface="Segoe UI" panose="020B0502040204020203" pitchFamily="34" charset="0"/>
+              <a:cs typeface="Segoe UI" panose="020B0502040204020203" pitchFamily="34" charset="0"/>
+            </a:endParaRPr>
+          </a:p>
+        </p:txBody>
+      </p:sp>
+      <p:sp>
+        <p:nvSpPr>
+          <p:cNvPr id="3" name="TextBox 2">
+            <a:extLst>
+              <a:ext uri="{FF2B5EF4-FFF2-40B4-BE49-F238E27FC236}">
+                <a16:creationId xmlns:a16="http://schemas.microsoft.com/office/drawing/2014/main" id="{21C2DC1F-4FEE-48B3-B38F-038591C43522}"/>
+              </a:ext>
+            </a:extLst>
+          </p:cNvPr>
+          <p:cNvSpPr txBox="1"/>
+          <p:nvPr/>
+        </p:nvSpPr>
+        <p:spPr>
+          <a:xfrm>
+            <a:off x="211015" y="1714493"/>
+            <a:ext cx="11769970" cy="4893647"/>
+          </a:xfrm>
+          <a:prstGeom prst="rect">
+            <a:avLst/>
+          </a:prstGeom>
+          <a:noFill/>
+        </p:spPr>
+        <p:txBody>
+          <a:bodyPr wrap="square" rtlCol="0">
+            <a:spAutoFit/>
+          </a:bodyPr>
+          <a:lstStyle/>
+          <a:p>
+            <a:pPr algn="just"/>
+            <a:r>
+              <a:rPr lang="es-ES" sz="2400" b="1" dirty="0">
+                <a:solidFill>
+                  <a:srgbClr val="FF0000"/>
+                </a:solidFill>
+              </a:rPr>
+              <a:t>NEXT STEPS:</a:t>
+            </a:r>
+          </a:p>
+          <a:p>
+            <a:pPr algn="just"/>
+            <a:endParaRPr lang="es-ES" dirty="0"/>
+          </a:p>
+          <a:p>
+            <a:pPr marL="285750" indent="-285750" algn="just">
+              <a:buFontTx/>
+              <a:buChar char="-"/>
+            </a:pPr>
+            <a:endParaRPr lang="en-US" dirty="0"/>
+          </a:p>
+          <a:p>
+            <a:pPr marL="285750" indent="-285750" algn="just">
+              <a:buFontTx/>
+              <a:buChar char="-"/>
+            </a:pPr>
+            <a:r>
+              <a:rPr lang="en-US" dirty="0"/>
+              <a:t>To establish data ranges with secure performance, build an </a:t>
+            </a:r>
+            <a:r>
+              <a:rPr lang="en-US" dirty="0" err="1"/>
+              <a:t>Xgboost</a:t>
+            </a:r>
+            <a:r>
+              <a:rPr lang="en-US" dirty="0"/>
+              <a:t> model or a Random Forest model to accurately predict the impact of key variables. This step requires a good set of data considering continuous and categorical data. Both for training and testing.</a:t>
+            </a:r>
+          </a:p>
+          <a:p>
+            <a:pPr marL="285750" indent="-285750" algn="just">
+              <a:buFontTx/>
+              <a:buChar char="-"/>
+            </a:pPr>
+            <a:endParaRPr lang="en-US" dirty="0"/>
+          </a:p>
+          <a:p>
+            <a:pPr marL="285750" indent="-285750" algn="just">
+              <a:buFontTx/>
+              <a:buChar char="-"/>
+            </a:pPr>
+            <a:r>
+              <a:rPr lang="en-US" dirty="0"/>
+              <a:t>Develop a sentiment analysis model to know the VOCs and thus be able to give users a more accurate answer to what they are looking for.</a:t>
+            </a:r>
+          </a:p>
+          <a:p>
+            <a:pPr marL="285750" indent="-285750" algn="just">
+              <a:buFontTx/>
+              <a:buChar char="-"/>
+            </a:pPr>
+            <a:endParaRPr lang="en-US" dirty="0"/>
+          </a:p>
+          <a:p>
+            <a:pPr marL="285750" indent="-285750" algn="just">
+              <a:buFontTx/>
+              <a:buChar char="-"/>
+            </a:pPr>
+            <a:r>
+              <a:rPr lang="en-US" dirty="0"/>
+              <a:t>Develop time series models to better estimate where the operation is going and set clear goals. Glide paths are not a good idea if you don't know where you're going from where you are.</a:t>
+            </a:r>
+          </a:p>
+          <a:p>
+            <a:pPr marL="285750" indent="-285750" algn="just">
+              <a:buFontTx/>
+              <a:buChar char="-"/>
+            </a:pPr>
+            <a:endParaRPr lang="en-US" dirty="0"/>
+          </a:p>
+          <a:p>
+            <a:pPr marL="285750" indent="-285750" algn="just">
+              <a:buFontTx/>
+              <a:buChar char="-"/>
+            </a:pPr>
+            <a:r>
+              <a:rPr lang="en-US" dirty="0"/>
+              <a:t>Network analysis is useful to know which processes are creating bottlenecks or unnecessary steps to solve the cases.</a:t>
+            </a:r>
+          </a:p>
+          <a:p>
+            <a:pPr marL="285750" indent="-285750" algn="just">
+              <a:buFontTx/>
+              <a:buChar char="-"/>
+            </a:pPr>
+            <a:endParaRPr lang="en-US" dirty="0"/>
+          </a:p>
+          <a:p>
+            <a:pPr marL="285750" indent="-285750" algn="just">
+              <a:buFontTx/>
+              <a:buChar char="-"/>
+            </a:pPr>
+            <a:r>
+              <a:rPr lang="en-US" dirty="0"/>
+              <a:t>Develop, mentoring activities on a regular basis, especially on days prior to those days that shoe patterns of lost of performance.</a:t>
+            </a:r>
+          </a:p>
+        </p:txBody>
+      </p:sp>
+    </p:spTree>
+    <p:extLst>
+      <p:ext uri="{BB962C8B-B14F-4D97-AF65-F5344CB8AC3E}">
+        <p14:creationId xmlns:p14="http://schemas.microsoft.com/office/powerpoint/2010/main" val="3530539441"/>
+      </p:ext>
+    </p:extLst>
+  </p:cSld>
+  <p:clrMapOvr>
+    <a:masterClrMapping/>
+  </p:clrMapOvr>
+</p:sld>
+</file>
+
 <file path=ppt/slides/slide2.xml><?xml version="1.0" encoding="utf-8"?>
 <p:sld xmlns:a="http://schemas.openxmlformats.org/drawingml/2006/main" xmlns:r="http://schemas.openxmlformats.org/officeDocument/2006/relationships" xmlns:p="http://schemas.openxmlformats.org/presentationml/2006/main">
   <p:cSld>
@@ -4633,7 +4908,7 @@
         <p:spPr>
           <a:xfrm>
             <a:off x="9125893" y="1665514"/>
-            <a:ext cx="2878538" cy="4920683"/>
+            <a:ext cx="2878538" cy="4992612"/>
           </a:xfrm>
           <a:prstGeom prst="rect">
             <a:avLst/>
@@ -4653,7 +4928,7 @@
             <a:pPr algn="just"/>
             <a:r>
               <a:rPr lang="en-US" sz="1200" dirty="0"/>
-              <a:t>The AHT has a mean of 7.54 minutes and has been above the target since December 12th. The trends of the ratio of inflow/HC, CWT and coverage have been decreasing since December 3, causing fluctuations in the AHT. The lower the coverage and presence of agents, the more time is spent on interaction, suggesting new hires.</a:t>
+              <a:t>Applying a decision tree model (by regression), we first find that the CSAT rating does indeed generate an inverse influence, which is atypical since the SLA theoretically ensures a timely response to the user. The highest average CSAT is for an SLA below 39.15%, which is well below the target (90.0%). On the other hand, it is evident that the DSATs received by partially automated treatment directly affect the CSAT rating, since when more than 2.5 surveys are received related to this means, the CSAT rating is lower and according to the sample, they represent 94.0% of the total cases. This result invites the development of improvement projects for this type of care. </a:t>
             </a:r>
           </a:p>
           <a:p>
@@ -4664,28 +4939,17 @@
             <a:pPr algn="just"/>
             <a:r>
               <a:rPr lang="en-US" sz="1200" dirty="0"/>
-              <a:t>On the other hand, the outliers are concentrated in the night shifts and early mornings.</a:t>
-            </a:r>
-          </a:p>
-          <a:p>
-            <a:pPr algn="just"/>
-            <a:endParaRPr lang="en-US" sz="1200" dirty="0"/>
-          </a:p>
-          <a:p>
-            <a:pPr algn="just"/>
-            <a:r>
-              <a:rPr lang="en-US" sz="1200" dirty="0"/>
-              <a:t>It is important to evaluate the tenure of the agents, on Wednesdays the AHT is below 7.0 minutes and has the lowest data dispersion, suggesting more tenure or even top performers. Couching is an important key.</a:t>
+              <a:t>Currently, the classification model is weak to make further resolutions due to the amount of data available, but the trend is clear. To develop predictive models and tune the variables to obtain good results, a greater amount of data is required, since not all cases have the same nature and should be analyzed according to the issue classification or resolution paths.</a:t>
             </a:r>
           </a:p>
         </p:txBody>
       </p:sp>
       <p:pic>
         <p:nvPicPr>
-          <p:cNvPr id="4" name="Picture 3">
-            <a:extLst>
-              <a:ext uri="{FF2B5EF4-FFF2-40B4-BE49-F238E27FC236}">
-                <a16:creationId xmlns:a16="http://schemas.microsoft.com/office/drawing/2014/main" id="{82495284-CB3D-4EF8-B89E-DB4DA73F3F69}"/>
+          <p:cNvPr id="6" name="Picture 5">
+            <a:extLst>
+              <a:ext uri="{FF2B5EF4-FFF2-40B4-BE49-F238E27FC236}">
+                <a16:creationId xmlns:a16="http://schemas.microsoft.com/office/drawing/2014/main" id="{287259AC-3CEF-41F4-95F2-F75A0793C56B}"/>
               </a:ext>
             </a:extLst>
           </p:cNvPr>
@@ -4695,277 +4959,85 @@
           <p:nvPr/>
         </p:nvPicPr>
         <p:blipFill>
-          <a:blip r:embed="rId3">
-            <a:extLst>
-              <a:ext uri="{28A0092B-C50C-407E-A947-70E740481C1C}">
-                <a14:useLocalDpi xmlns:a14="http://schemas.microsoft.com/office/drawing/2010/main" val="0"/>
-              </a:ext>
-            </a:extLst>
-          </a:blip>
-          <a:srcRect/>
-          <a:stretch/>
+          <a:blip r:embed="rId3"/>
+          <a:stretch>
+            <a:fillRect/>
+          </a:stretch>
         </p:blipFill>
         <p:spPr>
           <a:xfrm>
-            <a:off x="63346" y="1665514"/>
-            <a:ext cx="8912533" cy="5038725"/>
+            <a:off x="195707" y="1831690"/>
+            <a:ext cx="5765051" cy="4569110"/>
           </a:xfrm>
           <a:prstGeom prst="rect">
             <a:avLst/>
           </a:prstGeom>
         </p:spPr>
       </p:pic>
-      <p:cxnSp>
-        <p:nvCxnSpPr>
-          <p:cNvPr id="6" name="Straight Arrow Connector 5">
-            <a:extLst>
-              <a:ext uri="{FF2B5EF4-FFF2-40B4-BE49-F238E27FC236}">
-                <a16:creationId xmlns:a16="http://schemas.microsoft.com/office/drawing/2014/main" id="{0E86B29E-0277-404B-BD3E-CC94A8431D99}"/>
-              </a:ext>
-            </a:extLst>
-          </p:cNvPr>
-          <p:cNvCxnSpPr/>
+      <p:pic>
+        <p:nvPicPr>
+          <p:cNvPr id="8" name="Picture 7">
+            <a:extLst>
+              <a:ext uri="{FF2B5EF4-FFF2-40B4-BE49-F238E27FC236}">
+                <a16:creationId xmlns:a16="http://schemas.microsoft.com/office/drawing/2014/main" id="{D9EBED32-1EF0-4BAA-9C9B-FFAB88049F6D}"/>
+              </a:ext>
+            </a:extLst>
+          </p:cNvPr>
+          <p:cNvPicPr>
+            <a:picLocks noChangeAspect="1"/>
+          </p:cNvPicPr>
           <p:nvPr/>
-        </p:nvCxnSpPr>
-        <p:spPr>
-          <a:xfrm>
-            <a:off x="8096250" y="2933700"/>
-            <a:ext cx="571500" cy="304800"/>
-          </a:xfrm>
-          <a:prstGeom prst="straightConnector1">
+        </p:nvPicPr>
+        <p:blipFill>
+          <a:blip r:embed="rId4"/>
+          <a:stretch>
+            <a:fillRect/>
+          </a:stretch>
+        </p:blipFill>
+        <p:spPr>
+          <a:xfrm>
+            <a:off x="5960758" y="1665513"/>
+            <a:ext cx="3165135" cy="2716347"/>
+          </a:xfrm>
+          <a:prstGeom prst="rect">
             <a:avLst/>
           </a:prstGeom>
-          <a:ln w="28575">
-            <a:solidFill>
-              <a:srgbClr val="FF0000"/>
-            </a:solidFill>
-            <a:tailEnd type="triangle"/>
-          </a:ln>
-        </p:spPr>
-        <p:style>
-          <a:lnRef idx="1">
-            <a:schemeClr val="accent1"/>
-          </a:lnRef>
-          <a:fillRef idx="0">
-            <a:schemeClr val="accent1"/>
-          </a:fillRef>
-          <a:effectRef idx="0">
-            <a:schemeClr val="accent1"/>
-          </a:effectRef>
-          <a:fontRef idx="minor">
-            <a:schemeClr val="tx1"/>
-          </a:fontRef>
-        </p:style>
-      </p:cxnSp>
-      <p:cxnSp>
-        <p:nvCxnSpPr>
-          <p:cNvPr id="8" name="Straight Arrow Connector 7">
-            <a:extLst>
-              <a:ext uri="{FF2B5EF4-FFF2-40B4-BE49-F238E27FC236}">
-                <a16:creationId xmlns:a16="http://schemas.microsoft.com/office/drawing/2014/main" id="{50046AFF-0C08-408D-879A-89195B10C71C}"/>
-              </a:ext>
-            </a:extLst>
-          </p:cNvPr>
-          <p:cNvCxnSpPr>
-            <a:cxnSpLocks/>
-          </p:cNvCxnSpPr>
+        </p:spPr>
+      </p:pic>
+      <p:pic>
+        <p:nvPicPr>
+          <p:cNvPr id="10" name="Picture 9">
+            <a:extLst>
+              <a:ext uri="{FF2B5EF4-FFF2-40B4-BE49-F238E27FC236}">
+                <a16:creationId xmlns:a16="http://schemas.microsoft.com/office/drawing/2014/main" id="{AB90164D-2468-4453-B7EB-9A2131FAD849}"/>
+              </a:ext>
+            </a:extLst>
+          </p:cNvPr>
+          <p:cNvPicPr>
+            <a:picLocks noChangeAspect="1"/>
+          </p:cNvPicPr>
           <p:nvPr/>
-        </p:nvCxnSpPr>
-        <p:spPr>
-          <a:xfrm>
-            <a:off x="8096250" y="4506686"/>
-            <a:ext cx="571500" cy="152400"/>
-          </a:xfrm>
-          <a:prstGeom prst="straightConnector1">
+        </p:nvPicPr>
+        <p:blipFill>
+          <a:blip r:embed="rId5"/>
+          <a:stretch>
+            <a:fillRect/>
+          </a:stretch>
+        </p:blipFill>
+        <p:spPr>
+          <a:xfrm>
+            <a:off x="5960758" y="4548037"/>
+            <a:ext cx="3165134" cy="2110089"/>
+          </a:xfrm>
+          <a:prstGeom prst="rect">
             <a:avLst/>
           </a:prstGeom>
-          <a:ln w="28575">
-            <a:solidFill>
-              <a:srgbClr val="FF0000"/>
-            </a:solidFill>
-            <a:tailEnd type="triangle"/>
-          </a:ln>
-        </p:spPr>
-        <p:style>
-          <a:lnRef idx="1">
-            <a:schemeClr val="accent1"/>
-          </a:lnRef>
-          <a:fillRef idx="0">
-            <a:schemeClr val="accent1"/>
-          </a:fillRef>
-          <a:effectRef idx="0">
-            <a:schemeClr val="accent1"/>
-          </a:effectRef>
-          <a:fontRef idx="minor">
-            <a:schemeClr val="tx1"/>
-          </a:fontRef>
-        </p:style>
-      </p:cxnSp>
-      <p:cxnSp>
-        <p:nvCxnSpPr>
-          <p:cNvPr id="10" name="Straight Arrow Connector 9">
-            <a:extLst>
-              <a:ext uri="{FF2B5EF4-FFF2-40B4-BE49-F238E27FC236}">
-                <a16:creationId xmlns:a16="http://schemas.microsoft.com/office/drawing/2014/main" id="{D0E4B6EE-4620-4F56-96DC-D61EEF8217B3}"/>
-              </a:ext>
-            </a:extLst>
-          </p:cNvPr>
-          <p:cNvCxnSpPr>
-            <a:cxnSpLocks/>
-          </p:cNvCxnSpPr>
-          <p:nvPr/>
-        </p:nvCxnSpPr>
-        <p:spPr>
-          <a:xfrm>
-            <a:off x="8154343" y="5851072"/>
-            <a:ext cx="610793" cy="310581"/>
-          </a:xfrm>
-          <a:prstGeom prst="straightConnector1">
-            <a:avLst/>
-          </a:prstGeom>
-          <a:ln w="28575">
-            <a:solidFill>
-              <a:srgbClr val="FF0000"/>
-            </a:solidFill>
-            <a:tailEnd type="triangle"/>
-          </a:ln>
-        </p:spPr>
-        <p:style>
-          <a:lnRef idx="1">
-            <a:schemeClr val="accent1"/>
-          </a:lnRef>
-          <a:fillRef idx="0">
-            <a:schemeClr val="accent1"/>
-          </a:fillRef>
-          <a:effectRef idx="0">
-            <a:schemeClr val="accent1"/>
-          </a:effectRef>
-          <a:fontRef idx="minor">
-            <a:schemeClr val="tx1"/>
-          </a:fontRef>
-        </p:style>
-      </p:cxnSp>
-      <p:cxnSp>
-        <p:nvCxnSpPr>
-          <p:cNvPr id="11" name="Straight Arrow Connector 10">
-            <a:extLst>
-              <a:ext uri="{FF2B5EF4-FFF2-40B4-BE49-F238E27FC236}">
-                <a16:creationId xmlns:a16="http://schemas.microsoft.com/office/drawing/2014/main" id="{F6D80B17-BF2E-477B-84B9-DB8781ED5C90}"/>
-              </a:ext>
-            </a:extLst>
-          </p:cNvPr>
-          <p:cNvCxnSpPr/>
-          <p:nvPr/>
-        </p:nvCxnSpPr>
-        <p:spPr>
-          <a:xfrm flipV="1">
-            <a:off x="7848600" y="2800350"/>
-            <a:ext cx="1127279" cy="857250"/>
-          </a:xfrm>
-          <a:prstGeom prst="straightConnector1">
-            <a:avLst/>
-          </a:prstGeom>
-          <a:ln>
-            <a:tailEnd type="triangle"/>
-          </a:ln>
-        </p:spPr>
-        <p:style>
-          <a:lnRef idx="1">
-            <a:schemeClr val="accent1"/>
-          </a:lnRef>
-          <a:fillRef idx="0">
-            <a:schemeClr val="accent1"/>
-          </a:fillRef>
-          <a:effectRef idx="0">
-            <a:schemeClr val="accent1"/>
-          </a:effectRef>
-          <a:fontRef idx="minor">
-            <a:schemeClr val="tx1"/>
-          </a:fontRef>
-        </p:style>
-      </p:cxnSp>
-      <p:cxnSp>
-        <p:nvCxnSpPr>
-          <p:cNvPr id="14" name="Straight Arrow Connector 13">
-            <a:extLst>
-              <a:ext uri="{FF2B5EF4-FFF2-40B4-BE49-F238E27FC236}">
-                <a16:creationId xmlns:a16="http://schemas.microsoft.com/office/drawing/2014/main" id="{3A211736-67DE-4A6C-899E-19F4048C4954}"/>
-              </a:ext>
-            </a:extLst>
-          </p:cNvPr>
-          <p:cNvCxnSpPr/>
-          <p:nvPr/>
-        </p:nvCxnSpPr>
-        <p:spPr>
-          <a:xfrm flipV="1">
-            <a:off x="7716193" y="4293055"/>
-            <a:ext cx="1127279" cy="857250"/>
-          </a:xfrm>
-          <a:prstGeom prst="straightConnector1">
-            <a:avLst/>
-          </a:prstGeom>
-          <a:ln>
-            <a:tailEnd type="triangle"/>
-          </a:ln>
-        </p:spPr>
-        <p:style>
-          <a:lnRef idx="1">
-            <a:schemeClr val="accent1"/>
-          </a:lnRef>
-          <a:fillRef idx="0">
-            <a:schemeClr val="accent1"/>
-          </a:fillRef>
-          <a:effectRef idx="0">
-            <a:schemeClr val="accent1"/>
-          </a:effectRef>
-          <a:fontRef idx="minor">
-            <a:schemeClr val="tx1"/>
-          </a:fontRef>
-        </p:style>
-      </p:cxnSp>
-      <p:cxnSp>
-        <p:nvCxnSpPr>
-          <p:cNvPr id="15" name="Straight Arrow Connector 14">
-            <a:extLst>
-              <a:ext uri="{FF2B5EF4-FFF2-40B4-BE49-F238E27FC236}">
-                <a16:creationId xmlns:a16="http://schemas.microsoft.com/office/drawing/2014/main" id="{776AE563-64CD-47D6-9814-7DB241813B9A}"/>
-              </a:ext>
-            </a:extLst>
-          </p:cNvPr>
-          <p:cNvCxnSpPr/>
-          <p:nvPr/>
-        </p:nvCxnSpPr>
-        <p:spPr>
-          <a:xfrm flipV="1">
-            <a:off x="7649990" y="5733028"/>
-            <a:ext cx="1127279" cy="857250"/>
-          </a:xfrm>
-          <a:prstGeom prst="straightConnector1">
-            <a:avLst/>
-          </a:prstGeom>
-          <a:ln>
-            <a:tailEnd type="triangle"/>
-          </a:ln>
-        </p:spPr>
-        <p:style>
-          <a:lnRef idx="1">
-            <a:schemeClr val="accent1"/>
-          </a:lnRef>
-          <a:fillRef idx="0">
-            <a:schemeClr val="accent1"/>
-          </a:fillRef>
-          <a:effectRef idx="0">
-            <a:schemeClr val="accent1"/>
-          </a:effectRef>
-          <a:fontRef idx="minor">
-            <a:schemeClr val="tx1"/>
-          </a:fontRef>
-        </p:style>
-      </p:cxnSp>
+        </p:spPr>
+      </p:pic>
     </p:spTree>
     <p:extLst>
       <p:ext uri="{BB962C8B-B14F-4D97-AF65-F5344CB8AC3E}">
-        <p14:creationId xmlns:p14="http://schemas.microsoft.com/office/powerpoint/2010/main" val="1519962439"/>
+        <p14:creationId xmlns:p14="http://schemas.microsoft.com/office/powerpoint/2010/main" val="2976563365"/>
       </p:ext>
     </p:extLst>
   </p:cSld>
@@ -5132,7 +5204,7 @@
             <a:pPr algn="just"/>
             <a:r>
               <a:rPr lang="en-US" sz="1200" dirty="0"/>
-              <a:t>The SLA was presented and increased since the atypical behavior in December 3. To increase the SLA it is important to keep the AWT low, the influence is significant (85%). The lowest SLA is on Tuesdays and it is important to keep mentoring, on Tuesdays not only have the lowest SLA, the most dispersive operation in terms of SLA. The average is 80.1%, with a serious opportunity for improvement.</a:t>
+              <a:t>The AHT has a mean of 7.54 minutes and has been above the target since December 12th. The trends of the ratio of inflow/HC, CWT and coverage have been decreasing since December 3, causing fluctuations in the AHT. The lower the coverage and presence of agents, the more time is spent on interaction, suggesting new hires.</a:t>
             </a:r>
           </a:p>
           <a:p>
@@ -5143,7 +5215,18 @@
             <a:pPr algn="just"/>
             <a:r>
               <a:rPr lang="en-US" sz="1200" dirty="0"/>
-              <a:t>On the other hand, it is necessary to evaluate if the proportion of SLA is due to automated processes, generating false expectations.</a:t>
+              <a:t>On the other hand, the outliers are concentrated in the night shifts and early mornings.</a:t>
+            </a:r>
+          </a:p>
+          <a:p>
+            <a:pPr algn="just"/>
+            <a:endParaRPr lang="en-US" sz="1200" dirty="0"/>
+          </a:p>
+          <a:p>
+            <a:pPr algn="just"/>
+            <a:r>
+              <a:rPr lang="en-US" sz="1200" dirty="0"/>
+              <a:t>It is important to evaluate the tenure of the agents, on Wednesdays the AHT is below 7.0 minutes and has the lowest data dispersion, suggesting more tenure or even top performers. Couching is an important key.</a:t>
             </a:r>
           </a:p>
         </p:txBody>
@@ -5175,8 +5258,8 @@
         </p:blipFill>
         <p:spPr>
           <a:xfrm>
-            <a:off x="88689" y="1665514"/>
-            <a:ext cx="8861845" cy="5038725"/>
+            <a:off x="63346" y="1665514"/>
+            <a:ext cx="8912533" cy="5038725"/>
           </a:xfrm>
           <a:prstGeom prst="rect">
             <a:avLst/>
@@ -5185,28 +5268,29 @@
       </p:pic>
       <p:cxnSp>
         <p:nvCxnSpPr>
-          <p:cNvPr id="7" name="Straight Connector 6">
-            <a:extLst>
-              <a:ext uri="{FF2B5EF4-FFF2-40B4-BE49-F238E27FC236}">
-                <a16:creationId xmlns:a16="http://schemas.microsoft.com/office/drawing/2014/main" id="{03D0A709-ABAE-4FA4-8EAD-05DC9ED6A7E6}"/>
-              </a:ext>
-            </a:extLst>
-          </p:cNvPr>
-          <p:cNvCxnSpPr>
-            <a:cxnSpLocks/>
-          </p:cNvCxnSpPr>
+          <p:cNvPr id="6" name="Straight Arrow Connector 5">
+            <a:extLst>
+              <a:ext uri="{FF2B5EF4-FFF2-40B4-BE49-F238E27FC236}">
+                <a16:creationId xmlns:a16="http://schemas.microsoft.com/office/drawing/2014/main" id="{0E86B29E-0277-404B-BD3E-CC94A8431D99}"/>
+              </a:ext>
+            </a:extLst>
+          </p:cNvPr>
+          <p:cNvCxnSpPr/>
           <p:nvPr/>
         </p:nvCxnSpPr>
         <p:spPr>
           <a:xfrm>
-            <a:off x="7952014" y="2465614"/>
-            <a:ext cx="0" cy="4238625"/>
-          </a:xfrm>
-          <a:prstGeom prst="line">
+            <a:off x="8096250" y="2933700"/>
+            <a:ext cx="571500" cy="304800"/>
+          </a:xfrm>
+          <a:prstGeom prst="straightConnector1">
             <a:avLst/>
           </a:prstGeom>
-          <a:ln>
-            <a:prstDash val="lgDash"/>
+          <a:ln w="28575">
+            <a:solidFill>
+              <a:srgbClr val="FF0000"/>
+            </a:solidFill>
+            <a:tailEnd type="triangle"/>
           </a:ln>
         </p:spPr>
         <p:style>
@@ -5224,50 +5308,215 @@
           </a:fontRef>
         </p:style>
       </p:cxnSp>
-      <p:sp>
-        <p:nvSpPr>
-          <p:cNvPr id="12" name="TextBox 11">
-            <a:extLst>
-              <a:ext uri="{FF2B5EF4-FFF2-40B4-BE49-F238E27FC236}">
-                <a16:creationId xmlns:a16="http://schemas.microsoft.com/office/drawing/2014/main" id="{9F7C78AF-416B-45FE-86F1-F0F76C594526}"/>
-              </a:ext>
-            </a:extLst>
-          </p:cNvPr>
-          <p:cNvSpPr txBox="1"/>
+      <p:cxnSp>
+        <p:nvCxnSpPr>
+          <p:cNvPr id="8" name="Straight Arrow Connector 7">
+            <a:extLst>
+              <a:ext uri="{FF2B5EF4-FFF2-40B4-BE49-F238E27FC236}">
+                <a16:creationId xmlns:a16="http://schemas.microsoft.com/office/drawing/2014/main" id="{50046AFF-0C08-408D-879A-89195B10C71C}"/>
+              </a:ext>
+            </a:extLst>
+          </p:cNvPr>
+          <p:cNvCxnSpPr>
+            <a:cxnSpLocks/>
+          </p:cNvCxnSpPr>
           <p:nvPr/>
-        </p:nvSpPr>
-        <p:spPr>
-          <a:xfrm>
-            <a:off x="8001000" y="6519573"/>
-            <a:ext cx="900548" cy="307777"/>
-          </a:xfrm>
-          <a:prstGeom prst="rect">
+        </p:nvCxnSpPr>
+        <p:spPr>
+          <a:xfrm>
+            <a:off x="8096250" y="4506686"/>
+            <a:ext cx="571500" cy="152400"/>
+          </a:xfrm>
+          <a:prstGeom prst="straightConnector1">
             <a:avLst/>
           </a:prstGeom>
-          <a:noFill/>
-        </p:spPr>
-        <p:txBody>
-          <a:bodyPr wrap="square" rtlCol="0">
-            <a:spAutoFit/>
-          </a:bodyPr>
-          <a:lstStyle/>
-          <a:p>
-            <a:r>
-              <a:rPr lang="es-ES" sz="1400" dirty="0" err="1"/>
-              <a:t>Dec</a:t>
-            </a:r>
-            <a:r>
-              <a:rPr lang="es-ES" sz="1400" dirty="0"/>
-              <a:t> 3</a:t>
-            </a:r>
-            <a:endParaRPr lang="en-US" sz="1400" dirty="0"/>
-          </a:p>
-        </p:txBody>
-      </p:sp>
+          <a:ln w="28575">
+            <a:solidFill>
+              <a:srgbClr val="FF0000"/>
+            </a:solidFill>
+            <a:tailEnd type="triangle"/>
+          </a:ln>
+        </p:spPr>
+        <p:style>
+          <a:lnRef idx="1">
+            <a:schemeClr val="accent1"/>
+          </a:lnRef>
+          <a:fillRef idx="0">
+            <a:schemeClr val="accent1"/>
+          </a:fillRef>
+          <a:effectRef idx="0">
+            <a:schemeClr val="accent1"/>
+          </a:effectRef>
+          <a:fontRef idx="minor">
+            <a:schemeClr val="tx1"/>
+          </a:fontRef>
+        </p:style>
+      </p:cxnSp>
+      <p:cxnSp>
+        <p:nvCxnSpPr>
+          <p:cNvPr id="10" name="Straight Arrow Connector 9">
+            <a:extLst>
+              <a:ext uri="{FF2B5EF4-FFF2-40B4-BE49-F238E27FC236}">
+                <a16:creationId xmlns:a16="http://schemas.microsoft.com/office/drawing/2014/main" id="{D0E4B6EE-4620-4F56-96DC-D61EEF8217B3}"/>
+              </a:ext>
+            </a:extLst>
+          </p:cNvPr>
+          <p:cNvCxnSpPr>
+            <a:cxnSpLocks/>
+          </p:cNvCxnSpPr>
+          <p:nvPr/>
+        </p:nvCxnSpPr>
+        <p:spPr>
+          <a:xfrm>
+            <a:off x="8154343" y="5851072"/>
+            <a:ext cx="610793" cy="310581"/>
+          </a:xfrm>
+          <a:prstGeom prst="straightConnector1">
+            <a:avLst/>
+          </a:prstGeom>
+          <a:ln w="28575">
+            <a:solidFill>
+              <a:srgbClr val="FF0000"/>
+            </a:solidFill>
+            <a:tailEnd type="triangle"/>
+          </a:ln>
+        </p:spPr>
+        <p:style>
+          <a:lnRef idx="1">
+            <a:schemeClr val="accent1"/>
+          </a:lnRef>
+          <a:fillRef idx="0">
+            <a:schemeClr val="accent1"/>
+          </a:fillRef>
+          <a:effectRef idx="0">
+            <a:schemeClr val="accent1"/>
+          </a:effectRef>
+          <a:fontRef idx="minor">
+            <a:schemeClr val="tx1"/>
+          </a:fontRef>
+        </p:style>
+      </p:cxnSp>
+      <p:cxnSp>
+        <p:nvCxnSpPr>
+          <p:cNvPr id="11" name="Straight Arrow Connector 10">
+            <a:extLst>
+              <a:ext uri="{FF2B5EF4-FFF2-40B4-BE49-F238E27FC236}">
+                <a16:creationId xmlns:a16="http://schemas.microsoft.com/office/drawing/2014/main" id="{F6D80B17-BF2E-477B-84B9-DB8781ED5C90}"/>
+              </a:ext>
+            </a:extLst>
+          </p:cNvPr>
+          <p:cNvCxnSpPr/>
+          <p:nvPr/>
+        </p:nvCxnSpPr>
+        <p:spPr>
+          <a:xfrm flipV="1">
+            <a:off x="7848600" y="2800350"/>
+            <a:ext cx="1127279" cy="857250"/>
+          </a:xfrm>
+          <a:prstGeom prst="straightConnector1">
+            <a:avLst/>
+          </a:prstGeom>
+          <a:ln>
+            <a:tailEnd type="triangle"/>
+          </a:ln>
+        </p:spPr>
+        <p:style>
+          <a:lnRef idx="1">
+            <a:schemeClr val="accent1"/>
+          </a:lnRef>
+          <a:fillRef idx="0">
+            <a:schemeClr val="accent1"/>
+          </a:fillRef>
+          <a:effectRef idx="0">
+            <a:schemeClr val="accent1"/>
+          </a:effectRef>
+          <a:fontRef idx="minor">
+            <a:schemeClr val="tx1"/>
+          </a:fontRef>
+        </p:style>
+      </p:cxnSp>
+      <p:cxnSp>
+        <p:nvCxnSpPr>
+          <p:cNvPr id="14" name="Straight Arrow Connector 13">
+            <a:extLst>
+              <a:ext uri="{FF2B5EF4-FFF2-40B4-BE49-F238E27FC236}">
+                <a16:creationId xmlns:a16="http://schemas.microsoft.com/office/drawing/2014/main" id="{3A211736-67DE-4A6C-899E-19F4048C4954}"/>
+              </a:ext>
+            </a:extLst>
+          </p:cNvPr>
+          <p:cNvCxnSpPr/>
+          <p:nvPr/>
+        </p:nvCxnSpPr>
+        <p:spPr>
+          <a:xfrm flipV="1">
+            <a:off x="7716193" y="4293055"/>
+            <a:ext cx="1127279" cy="857250"/>
+          </a:xfrm>
+          <a:prstGeom prst="straightConnector1">
+            <a:avLst/>
+          </a:prstGeom>
+          <a:ln>
+            <a:tailEnd type="triangle"/>
+          </a:ln>
+        </p:spPr>
+        <p:style>
+          <a:lnRef idx="1">
+            <a:schemeClr val="accent1"/>
+          </a:lnRef>
+          <a:fillRef idx="0">
+            <a:schemeClr val="accent1"/>
+          </a:fillRef>
+          <a:effectRef idx="0">
+            <a:schemeClr val="accent1"/>
+          </a:effectRef>
+          <a:fontRef idx="minor">
+            <a:schemeClr val="tx1"/>
+          </a:fontRef>
+        </p:style>
+      </p:cxnSp>
+      <p:cxnSp>
+        <p:nvCxnSpPr>
+          <p:cNvPr id="15" name="Straight Arrow Connector 14">
+            <a:extLst>
+              <a:ext uri="{FF2B5EF4-FFF2-40B4-BE49-F238E27FC236}">
+                <a16:creationId xmlns:a16="http://schemas.microsoft.com/office/drawing/2014/main" id="{776AE563-64CD-47D6-9814-7DB241813B9A}"/>
+              </a:ext>
+            </a:extLst>
+          </p:cNvPr>
+          <p:cNvCxnSpPr/>
+          <p:nvPr/>
+        </p:nvCxnSpPr>
+        <p:spPr>
+          <a:xfrm flipV="1">
+            <a:off x="7649990" y="5733028"/>
+            <a:ext cx="1127279" cy="857250"/>
+          </a:xfrm>
+          <a:prstGeom prst="straightConnector1">
+            <a:avLst/>
+          </a:prstGeom>
+          <a:ln>
+            <a:tailEnd type="triangle"/>
+          </a:ln>
+        </p:spPr>
+        <p:style>
+          <a:lnRef idx="1">
+            <a:schemeClr val="accent1"/>
+          </a:lnRef>
+          <a:fillRef idx="0">
+            <a:schemeClr val="accent1"/>
+          </a:fillRef>
+          <a:effectRef idx="0">
+            <a:schemeClr val="accent1"/>
+          </a:effectRef>
+          <a:fontRef idx="minor">
+            <a:schemeClr val="tx1"/>
+          </a:fontRef>
+        </p:style>
+      </p:cxnSp>
     </p:spTree>
     <p:extLst>
       <p:ext uri="{BB962C8B-B14F-4D97-AF65-F5344CB8AC3E}">
-        <p14:creationId xmlns:p14="http://schemas.microsoft.com/office/powerpoint/2010/main" val="2478490599"/>
+        <p14:creationId xmlns:p14="http://schemas.microsoft.com/office/powerpoint/2010/main" val="1519962439"/>
       </p:ext>
     </p:extLst>
   </p:cSld>
@@ -5401,10 +5650,10 @@
       </p:sp>
       <p:sp>
         <p:nvSpPr>
-          <p:cNvPr id="3" name="TextBox 2">
-            <a:extLst>
-              <a:ext uri="{FF2B5EF4-FFF2-40B4-BE49-F238E27FC236}">
-                <a16:creationId xmlns:a16="http://schemas.microsoft.com/office/drawing/2014/main" id="{21C2DC1F-4FEE-48B3-B38F-038591C43522}"/>
+          <p:cNvPr id="16" name="TextBox 15">
+            <a:extLst>
+              <a:ext uri="{FF2B5EF4-FFF2-40B4-BE49-F238E27FC236}">
+                <a16:creationId xmlns:a16="http://schemas.microsoft.com/office/drawing/2014/main" id="{3936CEB4-C5DC-4F76-B66C-D2CE6F3F34AB}"/>
               </a:ext>
             </a:extLst>
           </p:cNvPr>
@@ -5413,8 +5662,167 @@
         </p:nvSpPr>
         <p:spPr>
           <a:xfrm>
-            <a:off x="211015" y="1714493"/>
-            <a:ext cx="11769970" cy="4893647"/>
+            <a:off x="9125893" y="1665514"/>
+            <a:ext cx="2878538" cy="4920683"/>
+          </a:xfrm>
+          <a:prstGeom prst="rect">
+            <a:avLst/>
+          </a:prstGeom>
+          <a:solidFill>
+            <a:schemeClr val="bg1">
+              <a:lumMod val="85000"/>
+            </a:schemeClr>
+          </a:solidFill>
+        </p:spPr>
+        <p:txBody>
+          <a:bodyPr wrap="square" rtlCol="0">
+            <a:noAutofit/>
+          </a:bodyPr>
+          <a:lstStyle/>
+          <a:p>
+            <a:pPr algn="just"/>
+            <a:r>
+              <a:rPr lang="en-US" sz="1200" dirty="0"/>
+              <a:t>The classification model indicates that for AHT, the strongest variables to rank are %Reopen and AWT. In the case of %Reopen, when the ratio is above 32.75%, the average AHT tends to be 8.31 ± 1.89 minutes, while when this ratio is below, the average AHT tends to be 7.0 ± 1.86 minutes, which is favorable. It is important to note that a healthy %Reopen is equal to or less than 30.0%. On the other hand, high inflow/outflow ratios are unfavorable for AHT, which may be a sign of overload.</a:t>
+            </a:r>
+          </a:p>
+          <a:p>
+            <a:pPr algn="just"/>
+            <a:endParaRPr lang="en-US" sz="1200" dirty="0"/>
+          </a:p>
+          <a:p>
+            <a:pPr algn="just"/>
+            <a:r>
+              <a:rPr lang="en-US" sz="1200" dirty="0"/>
+              <a:t>Currently, the classification model is weak to make further resolutions due to the amount of data available, but the trend is clear. To develop predictive models and tune the variables to obtain good results, a greater amount of data is required, since not all cases have the same nature and should be analyzed according to the issue classification or resolution paths.</a:t>
+            </a:r>
+          </a:p>
+          <a:p>
+            <a:pPr algn="just"/>
+            <a:endParaRPr lang="en-US" sz="1200" dirty="0"/>
+          </a:p>
+        </p:txBody>
+      </p:sp>
+      <p:pic>
+        <p:nvPicPr>
+          <p:cNvPr id="7" name="Picture 6">
+            <a:extLst>
+              <a:ext uri="{FF2B5EF4-FFF2-40B4-BE49-F238E27FC236}">
+                <a16:creationId xmlns:a16="http://schemas.microsoft.com/office/drawing/2014/main" id="{CCA827AD-E707-44D8-B9C8-16D236B07550}"/>
+              </a:ext>
+            </a:extLst>
+          </p:cNvPr>
+          <p:cNvPicPr>
+            <a:picLocks noChangeAspect="1"/>
+          </p:cNvPicPr>
+          <p:nvPr/>
+        </p:nvPicPr>
+        <p:blipFill>
+          <a:blip r:embed="rId3"/>
+          <a:stretch>
+            <a:fillRect/>
+          </a:stretch>
+        </p:blipFill>
+        <p:spPr>
+          <a:xfrm>
+            <a:off x="211015" y="1665514"/>
+            <a:ext cx="5317147" cy="4214122"/>
+          </a:xfrm>
+          <a:prstGeom prst="rect">
+            <a:avLst/>
+          </a:prstGeom>
+        </p:spPr>
+      </p:pic>
+      <p:pic>
+        <p:nvPicPr>
+          <p:cNvPr id="12" name="Picture 11">
+            <a:extLst>
+              <a:ext uri="{FF2B5EF4-FFF2-40B4-BE49-F238E27FC236}">
+                <a16:creationId xmlns:a16="http://schemas.microsoft.com/office/drawing/2014/main" id="{F6014866-7E96-4456-A4FE-910325EFC798}"/>
+              </a:ext>
+            </a:extLst>
+          </p:cNvPr>
+          <p:cNvPicPr>
+            <a:picLocks noChangeAspect="1"/>
+          </p:cNvPicPr>
+          <p:nvPr/>
+        </p:nvPicPr>
+        <p:blipFill>
+          <a:blip r:embed="rId4"/>
+          <a:stretch>
+            <a:fillRect/>
+          </a:stretch>
+        </p:blipFill>
+        <p:spPr>
+          <a:xfrm>
+            <a:off x="5528163" y="1665514"/>
+            <a:ext cx="3597729" cy="2398486"/>
+          </a:xfrm>
+          <a:prstGeom prst="rect">
+            <a:avLst/>
+          </a:prstGeom>
+        </p:spPr>
+      </p:pic>
+    </p:spTree>
+    <p:extLst>
+      <p:ext uri="{BB962C8B-B14F-4D97-AF65-F5344CB8AC3E}">
+        <p14:creationId xmlns:p14="http://schemas.microsoft.com/office/powerpoint/2010/main" val="2203760404"/>
+      </p:ext>
+    </p:extLst>
+  </p:cSld>
+  <p:clrMapOvr>
+    <a:masterClrMapping/>
+  </p:clrMapOvr>
+</p:sld>
+</file>
+
+<file path=ppt/slides/slide8.xml><?xml version="1.0" encoding="utf-8"?>
+<p:sld xmlns:a="http://schemas.openxmlformats.org/drawingml/2006/main" xmlns:r="http://schemas.openxmlformats.org/officeDocument/2006/relationships" xmlns:p="http://schemas.openxmlformats.org/presentationml/2006/main">
+  <p:cSld>
+    <p:bg>
+      <p:bgPr>
+        <a:blipFill dpi="0" rotWithShape="1">
+          <a:blip r:embed="rId2">
+            <a:lum/>
+          </a:blip>
+          <a:srcRect/>
+          <a:stretch>
+            <a:fillRect/>
+          </a:stretch>
+        </a:blipFill>
+        <a:effectLst/>
+      </p:bgPr>
+    </p:bg>
+    <p:spTree>
+      <p:nvGrpSpPr>
+        <p:cNvPr id="1" name=""/>
+        <p:cNvGrpSpPr/>
+        <p:nvPr/>
+      </p:nvGrpSpPr>
+      <p:grpSpPr>
+        <a:xfrm>
+          <a:off x="0" y="0"/>
+          <a:ext cx="0" cy="0"/>
+          <a:chOff x="0" y="0"/>
+          <a:chExt cx="0" cy="0"/>
+        </a:xfrm>
+      </p:grpSpPr>
+      <p:sp>
+        <p:nvSpPr>
+          <p:cNvPr id="2" name="TextBox 1">
+            <a:extLst>
+              <a:ext uri="{FF2B5EF4-FFF2-40B4-BE49-F238E27FC236}">
+                <a16:creationId xmlns:a16="http://schemas.microsoft.com/office/drawing/2014/main" id="{A33A5D2C-8F58-463D-9FBE-8222EBF2A06D}"/>
+              </a:ext>
+            </a:extLst>
+          </p:cNvPr>
+          <p:cNvSpPr txBox="1"/>
+          <p:nvPr/>
+        </p:nvSpPr>
+        <p:spPr>
+          <a:xfrm>
+            <a:off x="1969477" y="211016"/>
+            <a:ext cx="10034954" cy="646331"/>
           </a:xfrm>
           <a:prstGeom prst="rect">
             <a:avLst/>
@@ -5427,119 +5835,486 @@
           </a:bodyPr>
           <a:lstStyle/>
           <a:p>
+            <a:pPr algn="r"/>
+            <a:r>
+              <a:rPr lang="es-ES" sz="3600" b="1" dirty="0">
+                <a:solidFill>
+                  <a:schemeClr val="bg1"/>
+                </a:solidFill>
+                <a:latin typeface="Segoe UI" panose="020B0502040204020203" pitchFamily="34" charset="0"/>
+                <a:cs typeface="Segoe UI" panose="020B0502040204020203" pitchFamily="34" charset="0"/>
+              </a:rPr>
+              <a:t>TEST RESULTS REPORT</a:t>
+            </a:r>
+            <a:endParaRPr lang="en-US" sz="3600" b="1" dirty="0">
+              <a:solidFill>
+                <a:schemeClr val="bg1"/>
+              </a:solidFill>
+              <a:latin typeface="Segoe UI" panose="020B0502040204020203" pitchFamily="34" charset="0"/>
+              <a:cs typeface="Segoe UI" panose="020B0502040204020203" pitchFamily="34" charset="0"/>
+            </a:endParaRPr>
+          </a:p>
+        </p:txBody>
+      </p:sp>
+      <p:sp>
+        <p:nvSpPr>
+          <p:cNvPr id="5" name="TextBox 4">
+            <a:extLst>
+              <a:ext uri="{FF2B5EF4-FFF2-40B4-BE49-F238E27FC236}">
+                <a16:creationId xmlns:a16="http://schemas.microsoft.com/office/drawing/2014/main" id="{FD4EFB80-4D73-4604-82FD-B35B20AD76D9}"/>
+              </a:ext>
+            </a:extLst>
+          </p:cNvPr>
+          <p:cNvSpPr txBox="1"/>
+          <p:nvPr/>
+        </p:nvSpPr>
+        <p:spPr>
+          <a:xfrm>
+            <a:off x="211015" y="1172307"/>
+            <a:ext cx="11793416" cy="369332"/>
+          </a:xfrm>
+          <a:prstGeom prst="rect">
+            <a:avLst/>
+          </a:prstGeom>
+          <a:noFill/>
+        </p:spPr>
+        <p:txBody>
+          <a:bodyPr wrap="square" rtlCol="0">
+            <a:spAutoFit/>
+          </a:bodyPr>
+          <a:lstStyle/>
+          <a:p>
+            <a:r>
+              <a:rPr lang="es-ES" b="1" dirty="0">
+                <a:latin typeface="Segoe UI" panose="020B0502040204020203" pitchFamily="34" charset="0"/>
+                <a:cs typeface="Segoe UI" panose="020B0502040204020203" pitchFamily="34" charset="0"/>
+              </a:rPr>
+              <a:t>CUSTOMER SERVICE AND PERFORMANCE ANALYSIS</a:t>
+            </a:r>
+            <a:endParaRPr lang="en-US" b="1" dirty="0">
+              <a:latin typeface="Segoe UI" panose="020B0502040204020203" pitchFamily="34" charset="0"/>
+              <a:cs typeface="Segoe UI" panose="020B0502040204020203" pitchFamily="34" charset="0"/>
+            </a:endParaRPr>
+          </a:p>
+        </p:txBody>
+      </p:sp>
+      <p:sp>
+        <p:nvSpPr>
+          <p:cNvPr id="16" name="TextBox 15">
+            <a:extLst>
+              <a:ext uri="{FF2B5EF4-FFF2-40B4-BE49-F238E27FC236}">
+                <a16:creationId xmlns:a16="http://schemas.microsoft.com/office/drawing/2014/main" id="{3936CEB4-C5DC-4F76-B66C-D2CE6F3F34AB}"/>
+              </a:ext>
+            </a:extLst>
+          </p:cNvPr>
+          <p:cNvSpPr txBox="1"/>
+          <p:nvPr/>
+        </p:nvSpPr>
+        <p:spPr>
+          <a:xfrm>
+            <a:off x="9125893" y="1665514"/>
+            <a:ext cx="2878538" cy="4920683"/>
+          </a:xfrm>
+          <a:prstGeom prst="rect">
+            <a:avLst/>
+          </a:prstGeom>
+          <a:solidFill>
+            <a:schemeClr val="bg1">
+              <a:lumMod val="85000"/>
+            </a:schemeClr>
+          </a:solidFill>
+        </p:spPr>
+        <p:txBody>
+          <a:bodyPr wrap="square" rtlCol="0">
+            <a:noAutofit/>
+          </a:bodyPr>
+          <a:lstStyle/>
+          <a:p>
             <a:pPr algn="just"/>
             <a:r>
-              <a:rPr lang="es-ES" sz="2400" b="1" dirty="0">
-                <a:solidFill>
-                  <a:srgbClr val="FF0000"/>
-                </a:solidFill>
-              </a:rPr>
-              <a:t>NEXT STEPS:</a:t>
+              <a:rPr lang="en-US" sz="1200" dirty="0"/>
+              <a:t>The SLA was presented and increased since the atypical behavior in December 3. To increase the SLA it is important to keep the AWT low, the influence is significant (85%). The lowest SLA is on Tuesdays and it is important to keep mentoring, on Tuesdays not only have the lowest SLA, the most dispersive operation in terms of SLA. The average is 80.1%, with a serious opportunity for improvement.</a:t>
             </a:r>
           </a:p>
           <a:p>
             <a:pPr algn="just"/>
-            <a:endParaRPr lang="es-ES" dirty="0"/>
-          </a:p>
-          <a:p>
-            <a:pPr marL="285750" indent="-285750" algn="just">
-              <a:buFontTx/>
-              <a:buChar char="-"/>
-            </a:pPr>
-            <a:endParaRPr lang="en-US" dirty="0"/>
-          </a:p>
-          <a:p>
-            <a:pPr marL="285750" indent="-285750" algn="just">
-              <a:buFontTx/>
-              <a:buChar char="-"/>
-            </a:pPr>
-            <a:r>
-              <a:rPr lang="en-US" dirty="0"/>
-              <a:t>To establish data ranges with secure performance, build an </a:t>
-            </a:r>
-            <a:r>
-              <a:rPr lang="en-US" dirty="0" err="1"/>
-              <a:t>Xgboost</a:t>
-            </a:r>
-            <a:r>
-              <a:rPr lang="en-US" dirty="0"/>
-              <a:t> model or a Random Forest model to accurately predict the impact of key variables. This step requires a good set of data considering continuous and categorical data. Both for training and testing.</a:t>
-            </a:r>
-          </a:p>
-          <a:p>
-            <a:pPr marL="285750" indent="-285750" algn="just">
-              <a:buFontTx/>
-              <a:buChar char="-"/>
-            </a:pPr>
-            <a:endParaRPr lang="en-US" dirty="0"/>
-          </a:p>
-          <a:p>
-            <a:pPr marL="285750" indent="-285750" algn="just">
-              <a:buFontTx/>
-              <a:buChar char="-"/>
-            </a:pPr>
-            <a:r>
-              <a:rPr lang="en-US" dirty="0"/>
-              <a:t>Develop a sentiment analysis model to know the VOCs and thus be able to give users a more accurate answer to what they are looking for.</a:t>
-            </a:r>
-          </a:p>
-          <a:p>
-            <a:pPr marL="285750" indent="-285750" algn="just">
-              <a:buFontTx/>
-              <a:buChar char="-"/>
-            </a:pPr>
-            <a:endParaRPr lang="en-US" dirty="0"/>
-          </a:p>
-          <a:p>
-            <a:pPr marL="285750" indent="-285750" algn="just">
-              <a:buFontTx/>
-              <a:buChar char="-"/>
-            </a:pPr>
-            <a:r>
-              <a:rPr lang="en-US" dirty="0"/>
-              <a:t>Develop time series models to better estimate where the operation is going and set clear goals. Glide paths are not a good idea if you don't know where you're going from where you are.</a:t>
-            </a:r>
-          </a:p>
-          <a:p>
-            <a:pPr marL="285750" indent="-285750" algn="just">
-              <a:buFontTx/>
-              <a:buChar char="-"/>
-            </a:pPr>
-            <a:endParaRPr lang="en-US" dirty="0"/>
-          </a:p>
-          <a:p>
-            <a:pPr marL="285750" indent="-285750" algn="just">
-              <a:buFontTx/>
-              <a:buChar char="-"/>
-            </a:pPr>
-            <a:r>
-              <a:rPr lang="en-US" dirty="0"/>
-              <a:t>Network analysis is useful to know which processes are creating bottlenecks or unnecessary steps to solve the cases.</a:t>
-            </a:r>
-          </a:p>
-          <a:p>
-            <a:pPr marL="285750" indent="-285750" algn="just">
-              <a:buFontTx/>
-              <a:buChar char="-"/>
-            </a:pPr>
-            <a:endParaRPr lang="en-US" dirty="0"/>
-          </a:p>
-          <a:p>
-            <a:pPr marL="285750" indent="-285750" algn="just">
-              <a:buFontTx/>
-              <a:buChar char="-"/>
-            </a:pPr>
-            <a:r>
-              <a:rPr lang="en-US" dirty="0"/>
-              <a:t>Develop, mentoring activities on a regular basis, especially on days prior to those days that shoe patterns of lost of performance.</a:t>
-            </a:r>
+            <a:endParaRPr lang="en-US" sz="1200" dirty="0"/>
+          </a:p>
+          <a:p>
+            <a:pPr algn="just"/>
+            <a:r>
+              <a:rPr lang="en-US" sz="1200" dirty="0"/>
+              <a:t>On the other hand, it is necessary to evaluate if the proportion of SLA is due to automated processes, generating false expectations.</a:t>
+            </a:r>
+          </a:p>
+        </p:txBody>
+      </p:sp>
+      <p:pic>
+        <p:nvPicPr>
+          <p:cNvPr id="4" name="Picture 3">
+            <a:extLst>
+              <a:ext uri="{FF2B5EF4-FFF2-40B4-BE49-F238E27FC236}">
+                <a16:creationId xmlns:a16="http://schemas.microsoft.com/office/drawing/2014/main" id="{82495284-CB3D-4EF8-B89E-DB4DA73F3F69}"/>
+              </a:ext>
+            </a:extLst>
+          </p:cNvPr>
+          <p:cNvPicPr>
+            <a:picLocks noChangeAspect="1"/>
+          </p:cNvPicPr>
+          <p:nvPr/>
+        </p:nvPicPr>
+        <p:blipFill>
+          <a:blip r:embed="rId3">
+            <a:extLst>
+              <a:ext uri="{28A0092B-C50C-407E-A947-70E740481C1C}">
+                <a14:useLocalDpi xmlns:a14="http://schemas.microsoft.com/office/drawing/2010/main" val="0"/>
+              </a:ext>
+            </a:extLst>
+          </a:blip>
+          <a:srcRect/>
+          <a:stretch/>
+        </p:blipFill>
+        <p:spPr>
+          <a:xfrm>
+            <a:off x="88689" y="1665514"/>
+            <a:ext cx="8861845" cy="5038725"/>
+          </a:xfrm>
+          <a:prstGeom prst="rect">
+            <a:avLst/>
+          </a:prstGeom>
+        </p:spPr>
+      </p:pic>
+      <p:cxnSp>
+        <p:nvCxnSpPr>
+          <p:cNvPr id="7" name="Straight Connector 6">
+            <a:extLst>
+              <a:ext uri="{FF2B5EF4-FFF2-40B4-BE49-F238E27FC236}">
+                <a16:creationId xmlns:a16="http://schemas.microsoft.com/office/drawing/2014/main" id="{03D0A709-ABAE-4FA4-8EAD-05DC9ED6A7E6}"/>
+              </a:ext>
+            </a:extLst>
+          </p:cNvPr>
+          <p:cNvCxnSpPr>
+            <a:cxnSpLocks/>
+          </p:cNvCxnSpPr>
+          <p:nvPr/>
+        </p:nvCxnSpPr>
+        <p:spPr>
+          <a:xfrm>
+            <a:off x="7952014" y="2465614"/>
+            <a:ext cx="0" cy="4238625"/>
+          </a:xfrm>
+          <a:prstGeom prst="line">
+            <a:avLst/>
+          </a:prstGeom>
+          <a:ln>
+            <a:prstDash val="lgDash"/>
+          </a:ln>
+        </p:spPr>
+        <p:style>
+          <a:lnRef idx="1">
+            <a:schemeClr val="accent1"/>
+          </a:lnRef>
+          <a:fillRef idx="0">
+            <a:schemeClr val="accent1"/>
+          </a:fillRef>
+          <a:effectRef idx="0">
+            <a:schemeClr val="accent1"/>
+          </a:effectRef>
+          <a:fontRef idx="minor">
+            <a:schemeClr val="tx1"/>
+          </a:fontRef>
+        </p:style>
+      </p:cxnSp>
+      <p:sp>
+        <p:nvSpPr>
+          <p:cNvPr id="12" name="TextBox 11">
+            <a:extLst>
+              <a:ext uri="{FF2B5EF4-FFF2-40B4-BE49-F238E27FC236}">
+                <a16:creationId xmlns:a16="http://schemas.microsoft.com/office/drawing/2014/main" id="{9F7C78AF-416B-45FE-86F1-F0F76C594526}"/>
+              </a:ext>
+            </a:extLst>
+          </p:cNvPr>
+          <p:cNvSpPr txBox="1"/>
+          <p:nvPr/>
+        </p:nvSpPr>
+        <p:spPr>
+          <a:xfrm>
+            <a:off x="8001000" y="6519573"/>
+            <a:ext cx="900548" cy="307777"/>
+          </a:xfrm>
+          <a:prstGeom prst="rect">
+            <a:avLst/>
+          </a:prstGeom>
+          <a:noFill/>
+        </p:spPr>
+        <p:txBody>
+          <a:bodyPr wrap="square" rtlCol="0">
+            <a:spAutoFit/>
+          </a:bodyPr>
+          <a:lstStyle/>
+          <a:p>
+            <a:r>
+              <a:rPr lang="es-ES" sz="1400" dirty="0" err="1"/>
+              <a:t>Dec</a:t>
+            </a:r>
+            <a:r>
+              <a:rPr lang="es-ES" sz="1400" dirty="0"/>
+              <a:t> 3</a:t>
+            </a:r>
+            <a:endParaRPr lang="en-US" sz="1400" dirty="0"/>
           </a:p>
         </p:txBody>
       </p:sp>
     </p:spTree>
     <p:extLst>
       <p:ext uri="{BB962C8B-B14F-4D97-AF65-F5344CB8AC3E}">
-        <p14:creationId xmlns:p14="http://schemas.microsoft.com/office/powerpoint/2010/main" val="3530539441"/>
+        <p14:creationId xmlns:p14="http://schemas.microsoft.com/office/powerpoint/2010/main" val="2478490599"/>
+      </p:ext>
+    </p:extLst>
+  </p:cSld>
+  <p:clrMapOvr>
+    <a:masterClrMapping/>
+  </p:clrMapOvr>
+</p:sld>
+</file>
+
+<file path=ppt/slides/slide9.xml><?xml version="1.0" encoding="utf-8"?>
+<p:sld xmlns:a="http://schemas.openxmlformats.org/drawingml/2006/main" xmlns:r="http://schemas.openxmlformats.org/officeDocument/2006/relationships" xmlns:p="http://schemas.openxmlformats.org/presentationml/2006/main">
+  <p:cSld>
+    <p:bg>
+      <p:bgPr>
+        <a:blipFill dpi="0" rotWithShape="1">
+          <a:blip r:embed="rId2">
+            <a:lum/>
+          </a:blip>
+          <a:srcRect/>
+          <a:stretch>
+            <a:fillRect/>
+          </a:stretch>
+        </a:blipFill>
+        <a:effectLst/>
+      </p:bgPr>
+    </p:bg>
+    <p:spTree>
+      <p:nvGrpSpPr>
+        <p:cNvPr id="1" name=""/>
+        <p:cNvGrpSpPr/>
+        <p:nvPr/>
+      </p:nvGrpSpPr>
+      <p:grpSpPr>
+        <a:xfrm>
+          <a:off x="0" y="0"/>
+          <a:ext cx="0" cy="0"/>
+          <a:chOff x="0" y="0"/>
+          <a:chExt cx="0" cy="0"/>
+        </a:xfrm>
+      </p:grpSpPr>
+      <p:sp>
+        <p:nvSpPr>
+          <p:cNvPr id="2" name="TextBox 1">
+            <a:extLst>
+              <a:ext uri="{FF2B5EF4-FFF2-40B4-BE49-F238E27FC236}">
+                <a16:creationId xmlns:a16="http://schemas.microsoft.com/office/drawing/2014/main" id="{A33A5D2C-8F58-463D-9FBE-8222EBF2A06D}"/>
+              </a:ext>
+            </a:extLst>
+          </p:cNvPr>
+          <p:cNvSpPr txBox="1"/>
+          <p:nvPr/>
+        </p:nvSpPr>
+        <p:spPr>
+          <a:xfrm>
+            <a:off x="1969477" y="211016"/>
+            <a:ext cx="10034954" cy="646331"/>
+          </a:xfrm>
+          <a:prstGeom prst="rect">
+            <a:avLst/>
+          </a:prstGeom>
+          <a:noFill/>
+        </p:spPr>
+        <p:txBody>
+          <a:bodyPr wrap="square" rtlCol="0">
+            <a:spAutoFit/>
+          </a:bodyPr>
+          <a:lstStyle/>
+          <a:p>
+            <a:pPr algn="r"/>
+            <a:r>
+              <a:rPr lang="es-ES" sz="3600" b="1" dirty="0">
+                <a:solidFill>
+                  <a:schemeClr val="bg1"/>
+                </a:solidFill>
+                <a:latin typeface="Segoe UI" panose="020B0502040204020203" pitchFamily="34" charset="0"/>
+                <a:cs typeface="Segoe UI" panose="020B0502040204020203" pitchFamily="34" charset="0"/>
+              </a:rPr>
+              <a:t>TEST RESULTS REPORT</a:t>
+            </a:r>
+            <a:endParaRPr lang="en-US" sz="3600" b="1" dirty="0">
+              <a:solidFill>
+                <a:schemeClr val="bg1"/>
+              </a:solidFill>
+              <a:latin typeface="Segoe UI" panose="020B0502040204020203" pitchFamily="34" charset="0"/>
+              <a:cs typeface="Segoe UI" panose="020B0502040204020203" pitchFamily="34" charset="0"/>
+            </a:endParaRPr>
+          </a:p>
+        </p:txBody>
+      </p:sp>
+      <p:sp>
+        <p:nvSpPr>
+          <p:cNvPr id="5" name="TextBox 4">
+            <a:extLst>
+              <a:ext uri="{FF2B5EF4-FFF2-40B4-BE49-F238E27FC236}">
+                <a16:creationId xmlns:a16="http://schemas.microsoft.com/office/drawing/2014/main" id="{FD4EFB80-4D73-4604-82FD-B35B20AD76D9}"/>
+              </a:ext>
+            </a:extLst>
+          </p:cNvPr>
+          <p:cNvSpPr txBox="1"/>
+          <p:nvPr/>
+        </p:nvSpPr>
+        <p:spPr>
+          <a:xfrm>
+            <a:off x="211015" y="1172307"/>
+            <a:ext cx="11793416" cy="369332"/>
+          </a:xfrm>
+          <a:prstGeom prst="rect">
+            <a:avLst/>
+          </a:prstGeom>
+          <a:noFill/>
+        </p:spPr>
+        <p:txBody>
+          <a:bodyPr wrap="square" rtlCol="0">
+            <a:spAutoFit/>
+          </a:bodyPr>
+          <a:lstStyle/>
+          <a:p>
+            <a:r>
+              <a:rPr lang="es-ES" b="1" dirty="0">
+                <a:latin typeface="Segoe UI" panose="020B0502040204020203" pitchFamily="34" charset="0"/>
+                <a:cs typeface="Segoe UI" panose="020B0502040204020203" pitchFamily="34" charset="0"/>
+              </a:rPr>
+              <a:t>CUSTOMER SERVICE AND PERFORMANCE ANALYSIS</a:t>
+            </a:r>
+            <a:endParaRPr lang="en-US" b="1" dirty="0">
+              <a:latin typeface="Segoe UI" panose="020B0502040204020203" pitchFamily="34" charset="0"/>
+              <a:cs typeface="Segoe UI" panose="020B0502040204020203" pitchFamily="34" charset="0"/>
+            </a:endParaRPr>
+          </a:p>
+        </p:txBody>
+      </p:sp>
+      <p:sp>
+        <p:nvSpPr>
+          <p:cNvPr id="16" name="TextBox 15">
+            <a:extLst>
+              <a:ext uri="{FF2B5EF4-FFF2-40B4-BE49-F238E27FC236}">
+                <a16:creationId xmlns:a16="http://schemas.microsoft.com/office/drawing/2014/main" id="{3936CEB4-C5DC-4F76-B66C-D2CE6F3F34AB}"/>
+              </a:ext>
+            </a:extLst>
+          </p:cNvPr>
+          <p:cNvSpPr txBox="1"/>
+          <p:nvPr/>
+        </p:nvSpPr>
+        <p:spPr>
+          <a:xfrm>
+            <a:off x="9125893" y="1277257"/>
+            <a:ext cx="2878538" cy="5471885"/>
+          </a:xfrm>
+          <a:prstGeom prst="rect">
+            <a:avLst/>
+          </a:prstGeom>
+          <a:solidFill>
+            <a:schemeClr val="bg1">
+              <a:lumMod val="85000"/>
+            </a:schemeClr>
+          </a:solidFill>
+        </p:spPr>
+        <p:txBody>
+          <a:bodyPr wrap="square" rtlCol="0">
+            <a:noAutofit/>
+          </a:bodyPr>
+          <a:lstStyle/>
+          <a:p>
+            <a:pPr algn="just"/>
+            <a:r>
+              <a:rPr lang="en-US" sz="1200" dirty="0"/>
+              <a:t>As for the SLA, the classification model shows that the variable that most influences the classification is the AWT. An AWT greater than 30.4 minutes presents an average SLA of 46.0%, representing 7% of the cases in the sample, while for AWT values less than 30.4 minutes, the average SLA tends to be 82.7%, representing 93% of the evaluated data. The best scenario is an AWT equal to or less than 8.2 minutes, achieving an average SLA of 85.7% ± 8.4%. Considering a tree with the best R2 value, the best scenario is found in cases whose AWT is less than 2.9 minutes, resulting in an average SLA of 88.6% ± 5.9%, representing 29.8% of the evaluated data, being the closest value to the target.</a:t>
+            </a:r>
+          </a:p>
+          <a:p>
+            <a:pPr algn="just"/>
+            <a:endParaRPr lang="en-US" sz="1200" dirty="0"/>
+          </a:p>
+          <a:p>
+            <a:pPr algn="just"/>
+            <a:r>
+              <a:rPr lang="en-US" sz="1200" dirty="0"/>
+              <a:t>As with the other models, it is important to keep in mind that the amount of data is not sufficient to provide a more accurate result, but it shows a trend that is consistent with what is observed in the trends. It is also important to keep in mind that general values are being evaluated and each case is of a different nature, so more data is needed to compare, as they say colloquially, pears with pears and not pears with apples.</a:t>
+            </a:r>
+          </a:p>
+        </p:txBody>
+      </p:sp>
+      <p:pic>
+        <p:nvPicPr>
+          <p:cNvPr id="6" name="Picture 5">
+            <a:extLst>
+              <a:ext uri="{FF2B5EF4-FFF2-40B4-BE49-F238E27FC236}">
+                <a16:creationId xmlns:a16="http://schemas.microsoft.com/office/drawing/2014/main" id="{D61C0CEF-6DCF-4974-ABF0-CCD6D33B31EA}"/>
+              </a:ext>
+            </a:extLst>
+          </p:cNvPr>
+          <p:cNvPicPr>
+            <a:picLocks noChangeAspect="1"/>
+          </p:cNvPicPr>
+          <p:nvPr/>
+        </p:nvPicPr>
+        <p:blipFill>
+          <a:blip r:embed="rId3"/>
+          <a:stretch>
+            <a:fillRect/>
+          </a:stretch>
+        </p:blipFill>
+        <p:spPr>
+          <a:xfrm>
+            <a:off x="187569" y="1610582"/>
+            <a:ext cx="5406807" cy="4841432"/>
+          </a:xfrm>
+          <a:prstGeom prst="rect">
+            <a:avLst/>
+          </a:prstGeom>
+        </p:spPr>
+      </p:pic>
+      <p:pic>
+        <p:nvPicPr>
+          <p:cNvPr id="9" name="Picture 8">
+            <a:extLst>
+              <a:ext uri="{FF2B5EF4-FFF2-40B4-BE49-F238E27FC236}">
+                <a16:creationId xmlns:a16="http://schemas.microsoft.com/office/drawing/2014/main" id="{8BACA94A-F98E-4CE5-BD93-EAF76E76A4C3}"/>
+              </a:ext>
+            </a:extLst>
+          </p:cNvPr>
+          <p:cNvPicPr>
+            <a:picLocks noChangeAspect="1"/>
+          </p:cNvPicPr>
+          <p:nvPr/>
+        </p:nvPicPr>
+        <p:blipFill>
+          <a:blip r:embed="rId4"/>
+          <a:stretch>
+            <a:fillRect/>
+          </a:stretch>
+        </p:blipFill>
+        <p:spPr>
+          <a:xfrm>
+            <a:off x="5594375" y="1665514"/>
+            <a:ext cx="3509349" cy="2339566"/>
+          </a:xfrm>
+          <a:prstGeom prst="rect">
+            <a:avLst/>
+          </a:prstGeom>
+        </p:spPr>
+      </p:pic>
+    </p:spTree>
+    <p:extLst>
+      <p:ext uri="{BB962C8B-B14F-4D97-AF65-F5344CB8AC3E}">
+        <p14:creationId xmlns:p14="http://schemas.microsoft.com/office/powerpoint/2010/main" val="2193150560"/>
       </p:ext>
     </p:extLst>
   </p:cSld>
